--- a/figures/conceptual/conceptual_threepanel.pptx
+++ b/figures/conceptual/conceptual_threepanel.pptx
@@ -5,13 +5,14 @@
     <p:sldMasterId id="2147483660" r:id="rId1"/>
   </p:sldMasterIdLst>
   <p:notesMasterIdLst>
-    <p:notesMasterId r:id="rId6"/>
+    <p:notesMasterId r:id="rId7"/>
   </p:notesMasterIdLst>
   <p:sldIdLst>
     <p:sldId id="256" r:id="rId2"/>
     <p:sldId id="257" r:id="rId3"/>
     <p:sldId id="258" r:id="rId4"/>
     <p:sldId id="260" r:id="rId5"/>
+    <p:sldId id="261" r:id="rId6"/>
   </p:sldIdLst>
   <p:sldSz cx="12192000" cy="11898313"/>
   <p:notesSz cx="6858000" cy="9144000"/>
@@ -200,7 +201,7 @@
           <a:p>
             <a:fld id="{3CCF9D45-BAE5-2444-B4A9-18EFA8B28771}" type="datetimeFigureOut">
               <a:rPr lang="en-US" smtClean="0"/>
-              <a:t>8/23/25</a:t>
+              <a:t>10/2/25</a:t>
             </a:fld>
             <a:endParaRPr lang="en-US"/>
           </a:p>
@@ -635,6 +636,114 @@
 </p:notes>
 </file>
 
+<file path=ppt/notesSlides/notesSlide3.xml><?xml version="1.0" encoding="utf-8"?>
+<p:notes xmlns:a="http://schemas.openxmlformats.org/drawingml/2006/main" xmlns:r="http://schemas.openxmlformats.org/officeDocument/2006/relationships" xmlns:p="http://schemas.openxmlformats.org/presentationml/2006/main">
+  <p:cSld>
+    <p:spTree>
+      <p:nvGrpSpPr>
+        <p:cNvPr id="1" name="">
+          <a:extLst>
+            <a:ext uri="{FF2B5EF4-FFF2-40B4-BE49-F238E27FC236}">
+              <a16:creationId xmlns:a16="http://schemas.microsoft.com/office/drawing/2014/main" id="{6C351883-38BD-D8DD-0E17-D31131A68693}"/>
+            </a:ext>
+          </a:extLst>
+        </p:cNvPr>
+        <p:cNvGrpSpPr/>
+        <p:nvPr/>
+      </p:nvGrpSpPr>
+      <p:grpSpPr>
+        <a:xfrm>
+          <a:off x="0" y="0"/>
+          <a:ext cx="0" cy="0"/>
+          <a:chOff x="0" y="0"/>
+          <a:chExt cx="0" cy="0"/>
+        </a:xfrm>
+      </p:grpSpPr>
+      <p:sp>
+        <p:nvSpPr>
+          <p:cNvPr id="2" name="Slide Image Placeholder 1">
+            <a:extLst>
+              <a:ext uri="{FF2B5EF4-FFF2-40B4-BE49-F238E27FC236}">
+                <a16:creationId xmlns:a16="http://schemas.microsoft.com/office/drawing/2014/main" id="{74B2DF4C-0FB4-4F62-8267-639BF04BF1B6}"/>
+              </a:ext>
+            </a:extLst>
+          </p:cNvPr>
+          <p:cNvSpPr>
+            <a:spLocks noGrp="1" noRot="1" noChangeAspect="1"/>
+          </p:cNvSpPr>
+          <p:nvPr>
+            <p:ph type="sldImg"/>
+          </p:nvPr>
+        </p:nvSpPr>
+        <p:spPr/>
+      </p:sp>
+      <p:sp>
+        <p:nvSpPr>
+          <p:cNvPr id="3" name="Notes Placeholder 2">
+            <a:extLst>
+              <a:ext uri="{FF2B5EF4-FFF2-40B4-BE49-F238E27FC236}">
+                <a16:creationId xmlns:a16="http://schemas.microsoft.com/office/drawing/2014/main" id="{13590F86-69CC-3DF4-B232-083E90B7B314}"/>
+              </a:ext>
+            </a:extLst>
+          </p:cNvPr>
+          <p:cNvSpPr>
+            <a:spLocks noGrp="1"/>
+          </p:cNvSpPr>
+          <p:nvPr>
+            <p:ph type="body" idx="1"/>
+          </p:nvPr>
+        </p:nvSpPr>
+        <p:spPr/>
+        <p:txBody>
+          <a:bodyPr/>
+          <a:lstStyle/>
+          <a:p>
+            <a:endParaRPr lang="en-US" dirty="0"/>
+          </a:p>
+        </p:txBody>
+      </p:sp>
+      <p:sp>
+        <p:nvSpPr>
+          <p:cNvPr id="4" name="Slide Number Placeholder 3">
+            <a:extLst>
+              <a:ext uri="{FF2B5EF4-FFF2-40B4-BE49-F238E27FC236}">
+                <a16:creationId xmlns:a16="http://schemas.microsoft.com/office/drawing/2014/main" id="{13E3A562-034F-2AA5-A98B-1D6D98C4FAE5}"/>
+              </a:ext>
+            </a:extLst>
+          </p:cNvPr>
+          <p:cNvSpPr>
+            <a:spLocks noGrp="1"/>
+          </p:cNvSpPr>
+          <p:nvPr>
+            <p:ph type="sldNum" sz="quarter" idx="5"/>
+          </p:nvPr>
+        </p:nvSpPr>
+        <p:spPr/>
+        <p:txBody>
+          <a:bodyPr/>
+          <a:lstStyle/>
+          <a:p>
+            <a:fld id="{61B40BDA-E8C1-5D46-8CE8-770660A38085}" type="slidenum">
+              <a:rPr lang="en-US" smtClean="0"/>
+              <a:t>5</a:t>
+            </a:fld>
+            <a:endParaRPr lang="en-US"/>
+          </a:p>
+        </p:txBody>
+      </p:sp>
+    </p:spTree>
+    <p:extLst>
+      <p:ext uri="{BB962C8B-B14F-4D97-AF65-F5344CB8AC3E}">
+        <p14:creationId xmlns:p14="http://schemas.microsoft.com/office/powerpoint/2010/main" val="3067627105"/>
+      </p:ext>
+    </p:extLst>
+  </p:cSld>
+  <p:clrMapOvr>
+    <a:masterClrMapping/>
+  </p:clrMapOvr>
+</p:notes>
+</file>
+
 <file path=ppt/slideLayouts/slideLayout1.xml><?xml version="1.0" encoding="utf-8"?>
 <p:sldLayout xmlns:a="http://schemas.openxmlformats.org/drawingml/2006/main" xmlns:r="http://schemas.openxmlformats.org/officeDocument/2006/relationships" xmlns:p="http://schemas.openxmlformats.org/presentationml/2006/main" type="title" preserve="1">
   <p:cSld name="Title Slide">
@@ -766,7 +875,7 @@
           <a:p>
             <a:fld id="{F6F5C077-26A2-1C4D-A264-F91E44095E52}" type="datetimeFigureOut">
               <a:rPr lang="en-US" smtClean="0"/>
-              <a:t>8/23/25</a:t>
+              <a:t>10/2/25</a:t>
             </a:fld>
             <a:endParaRPr lang="en-US"/>
           </a:p>
@@ -936,7 +1045,7 @@
           <a:p>
             <a:fld id="{F6F5C077-26A2-1C4D-A264-F91E44095E52}" type="datetimeFigureOut">
               <a:rPr lang="en-US" smtClean="0"/>
-              <a:t>8/23/25</a:t>
+              <a:t>10/2/25</a:t>
             </a:fld>
             <a:endParaRPr lang="en-US"/>
           </a:p>
@@ -1116,7 +1225,7 @@
           <a:p>
             <a:fld id="{F6F5C077-26A2-1C4D-A264-F91E44095E52}" type="datetimeFigureOut">
               <a:rPr lang="en-US" smtClean="0"/>
-              <a:t>8/23/25</a:t>
+              <a:t>10/2/25</a:t>
             </a:fld>
             <a:endParaRPr lang="en-US"/>
           </a:p>
@@ -1286,7 +1395,7 @@
           <a:p>
             <a:fld id="{F6F5C077-26A2-1C4D-A264-F91E44095E52}" type="datetimeFigureOut">
               <a:rPr lang="en-US" smtClean="0"/>
-              <a:t>8/23/25</a:t>
+              <a:t>10/2/25</a:t>
             </a:fld>
             <a:endParaRPr lang="en-US"/>
           </a:p>
@@ -1532,7 +1641,7 @@
           <a:p>
             <a:fld id="{F6F5C077-26A2-1C4D-A264-F91E44095E52}" type="datetimeFigureOut">
               <a:rPr lang="en-US" smtClean="0"/>
-              <a:t>8/23/25</a:t>
+              <a:t>10/2/25</a:t>
             </a:fld>
             <a:endParaRPr lang="en-US"/>
           </a:p>
@@ -1764,7 +1873,7 @@
           <a:p>
             <a:fld id="{F6F5C077-26A2-1C4D-A264-F91E44095E52}" type="datetimeFigureOut">
               <a:rPr lang="en-US" smtClean="0"/>
-              <a:t>8/23/25</a:t>
+              <a:t>10/2/25</a:t>
             </a:fld>
             <a:endParaRPr lang="en-US"/>
           </a:p>
@@ -2131,7 +2240,7 @@
           <a:p>
             <a:fld id="{F6F5C077-26A2-1C4D-A264-F91E44095E52}" type="datetimeFigureOut">
               <a:rPr lang="en-US" smtClean="0"/>
-              <a:t>8/23/25</a:t>
+              <a:t>10/2/25</a:t>
             </a:fld>
             <a:endParaRPr lang="en-US"/>
           </a:p>
@@ -2249,7 +2358,7 @@
           <a:p>
             <a:fld id="{F6F5C077-26A2-1C4D-A264-F91E44095E52}" type="datetimeFigureOut">
               <a:rPr lang="en-US" smtClean="0"/>
-              <a:t>8/23/25</a:t>
+              <a:t>10/2/25</a:t>
             </a:fld>
             <a:endParaRPr lang="en-US"/>
           </a:p>
@@ -2344,7 +2453,7 @@
           <a:p>
             <a:fld id="{F6F5C077-26A2-1C4D-A264-F91E44095E52}" type="datetimeFigureOut">
               <a:rPr lang="en-US" smtClean="0"/>
-              <a:t>8/23/25</a:t>
+              <a:t>10/2/25</a:t>
             </a:fld>
             <a:endParaRPr lang="en-US"/>
           </a:p>
@@ -2621,7 +2730,7 @@
           <a:p>
             <a:fld id="{F6F5C077-26A2-1C4D-A264-F91E44095E52}" type="datetimeFigureOut">
               <a:rPr lang="en-US" smtClean="0"/>
-              <a:t>8/23/25</a:t>
+              <a:t>10/2/25</a:t>
             </a:fld>
             <a:endParaRPr lang="en-US"/>
           </a:p>
@@ -2878,7 +2987,7 @@
           <a:p>
             <a:fld id="{F6F5C077-26A2-1C4D-A264-F91E44095E52}" type="datetimeFigureOut">
               <a:rPr lang="en-US" smtClean="0"/>
-              <a:t>8/23/25</a:t>
+              <a:t>10/2/25</a:t>
             </a:fld>
             <a:endParaRPr lang="en-US"/>
           </a:p>
@@ -3091,7 +3200,7 @@
           <a:p>
             <a:fld id="{F6F5C077-26A2-1C4D-A264-F91E44095E52}" type="datetimeFigureOut">
               <a:rPr lang="en-US" smtClean="0"/>
-              <a:t>8/23/25</a:t>
+              <a:t>10/2/25</a:t>
             </a:fld>
             <a:endParaRPr lang="en-US"/>
           </a:p>
@@ -4572,6 +4681,482 @@
     <p:extLst>
       <p:ext uri="{BB962C8B-B14F-4D97-AF65-F5344CB8AC3E}">
         <p14:creationId xmlns:p14="http://schemas.microsoft.com/office/powerpoint/2010/main" val="444714582"/>
+      </p:ext>
+    </p:extLst>
+  </p:cSld>
+  <p:clrMapOvr>
+    <a:masterClrMapping/>
+  </p:clrMapOvr>
+</p:sld>
+</file>
+
+<file path=ppt/slides/slide5.xml><?xml version="1.0" encoding="utf-8"?>
+<p:sld xmlns:a="http://schemas.openxmlformats.org/drawingml/2006/main" xmlns:r="http://schemas.openxmlformats.org/officeDocument/2006/relationships" xmlns:p="http://schemas.openxmlformats.org/presentationml/2006/main">
+  <p:cSld>
+    <p:spTree>
+      <p:nvGrpSpPr>
+        <p:cNvPr id="1" name="">
+          <a:extLst>
+            <a:ext uri="{FF2B5EF4-FFF2-40B4-BE49-F238E27FC236}">
+              <a16:creationId xmlns:a16="http://schemas.microsoft.com/office/drawing/2014/main" id="{BF8F05C6-286A-91F4-35BD-37CE5A0AD69B}"/>
+            </a:ext>
+          </a:extLst>
+        </p:cNvPr>
+        <p:cNvGrpSpPr/>
+        <p:nvPr/>
+      </p:nvGrpSpPr>
+      <p:grpSpPr>
+        <a:xfrm>
+          <a:off x="0" y="0"/>
+          <a:ext cx="0" cy="0"/>
+          <a:chOff x="0" y="0"/>
+          <a:chExt cx="0" cy="0"/>
+        </a:xfrm>
+      </p:grpSpPr>
+      <p:pic>
+        <p:nvPicPr>
+          <p:cNvPr id="7" name="Picture 6">
+            <a:extLst>
+              <a:ext uri="{FF2B5EF4-FFF2-40B4-BE49-F238E27FC236}">
+                <a16:creationId xmlns:a16="http://schemas.microsoft.com/office/drawing/2014/main" id="{40BE0111-A0AE-6F57-B9E1-C4EECB95EB87}"/>
+              </a:ext>
+            </a:extLst>
+          </p:cNvPr>
+          <p:cNvPicPr>
+            <a:picLocks noChangeAspect="1"/>
+          </p:cNvPicPr>
+          <p:nvPr/>
+        </p:nvPicPr>
+        <p:blipFill>
+          <a:blip r:embed="rId3"/>
+          <a:srcRect t="2789" b="2789"/>
+          <a:stretch/>
+        </p:blipFill>
+        <p:spPr>
+          <a:xfrm>
+            <a:off x="708024" y="3868494"/>
+            <a:ext cx="10268698" cy="3780213"/>
+          </a:xfrm>
+          <a:prstGeom prst="rect">
+            <a:avLst/>
+          </a:prstGeom>
+        </p:spPr>
+      </p:pic>
+      <p:pic>
+        <p:nvPicPr>
+          <p:cNvPr id="5" name="Picture 4" descr="A diagram of a diagram&#10;&#10;AI-generated content may be incorrect.">
+            <a:extLst>
+              <a:ext uri="{FF2B5EF4-FFF2-40B4-BE49-F238E27FC236}">
+                <a16:creationId xmlns:a16="http://schemas.microsoft.com/office/drawing/2014/main" id="{204CF3FC-A674-ED05-BA41-8D34D2B32640}"/>
+              </a:ext>
+            </a:extLst>
+          </p:cNvPr>
+          <p:cNvPicPr>
+            <a:picLocks noChangeAspect="1"/>
+          </p:cNvPicPr>
+          <p:nvPr/>
+        </p:nvPicPr>
+        <p:blipFill>
+          <a:blip r:embed="rId4"/>
+          <a:stretch>
+            <a:fillRect/>
+          </a:stretch>
+        </p:blipFill>
+        <p:spPr>
+          <a:xfrm>
+            <a:off x="3877048" y="0"/>
+            <a:ext cx="4437903" cy="3676249"/>
+          </a:xfrm>
+          <a:prstGeom prst="rect">
+            <a:avLst/>
+          </a:prstGeom>
+        </p:spPr>
+      </p:pic>
+      <p:pic>
+        <p:nvPicPr>
+          <p:cNvPr id="10" name="Picture 9" descr="A diagram of a heat exchanger&#10;&#10;AI-generated content may be incorrect.">
+            <a:extLst>
+              <a:ext uri="{FF2B5EF4-FFF2-40B4-BE49-F238E27FC236}">
+                <a16:creationId xmlns:a16="http://schemas.microsoft.com/office/drawing/2014/main" id="{BB1071DE-2AB9-7808-0C83-E3C837CB9D0D}"/>
+              </a:ext>
+            </a:extLst>
+          </p:cNvPr>
+          <p:cNvPicPr>
+            <a:picLocks noChangeAspect="1"/>
+          </p:cNvPicPr>
+          <p:nvPr/>
+        </p:nvPicPr>
+        <p:blipFill>
+          <a:blip r:embed="rId5"/>
+          <a:srcRect t="8208" b="80712"/>
+          <a:stretch/>
+        </p:blipFill>
+        <p:spPr>
+          <a:xfrm>
+            <a:off x="1813110" y="7737633"/>
+            <a:ext cx="9639442" cy="490414"/>
+          </a:xfrm>
+          <a:prstGeom prst="rect">
+            <a:avLst/>
+          </a:prstGeom>
+        </p:spPr>
+      </p:pic>
+      <p:pic>
+        <p:nvPicPr>
+          <p:cNvPr id="11" name="Picture 10" descr="A diagram of a thermal asymmetrical system&#10;&#10;AI-generated content may be incorrect.">
+            <a:extLst>
+              <a:ext uri="{FF2B5EF4-FFF2-40B4-BE49-F238E27FC236}">
+                <a16:creationId xmlns:a16="http://schemas.microsoft.com/office/drawing/2014/main" id="{E0470932-C7CE-8BBF-8175-3818908BE023}"/>
+              </a:ext>
+            </a:extLst>
+          </p:cNvPr>
+          <p:cNvPicPr>
+            <a:picLocks noChangeAspect="1"/>
+          </p:cNvPicPr>
+          <p:nvPr/>
+        </p:nvPicPr>
+        <p:blipFill>
+          <a:blip r:embed="rId6"/>
+          <a:srcRect t="7070" b="82932"/>
+          <a:stretch/>
+        </p:blipFill>
+        <p:spPr>
+          <a:xfrm>
+            <a:off x="1619250" y="3662804"/>
+            <a:ext cx="9460753" cy="470642"/>
+          </a:xfrm>
+          <a:prstGeom prst="rect">
+            <a:avLst/>
+          </a:prstGeom>
+        </p:spPr>
+      </p:pic>
+      <p:sp>
+        <p:nvSpPr>
+          <p:cNvPr id="16" name="TextBox 15">
+            <a:extLst>
+              <a:ext uri="{FF2B5EF4-FFF2-40B4-BE49-F238E27FC236}">
+                <a16:creationId xmlns:a16="http://schemas.microsoft.com/office/drawing/2014/main" id="{15EFAF3C-EBA4-5CF4-0D6F-A9400C7E037B}"/>
+              </a:ext>
+            </a:extLst>
+          </p:cNvPr>
+          <p:cNvSpPr txBox="1"/>
+          <p:nvPr/>
+        </p:nvSpPr>
+        <p:spPr>
+          <a:xfrm>
+            <a:off x="656747" y="317789"/>
+            <a:ext cx="731520" cy="461665"/>
+          </a:xfrm>
+          <a:prstGeom prst="rect">
+            <a:avLst/>
+          </a:prstGeom>
+          <a:noFill/>
+        </p:spPr>
+        <p:txBody>
+          <a:bodyPr wrap="square" rtlCol="0">
+            <a:spAutoFit/>
+          </a:bodyPr>
+          <a:lstStyle/>
+          <a:p>
+            <a:r>
+              <a:rPr lang="en-US" sz="2400" b="1" dirty="0"/>
+              <a:t>A</a:t>
+            </a:r>
+            <a:endParaRPr lang="en-US" b="1" dirty="0"/>
+          </a:p>
+        </p:txBody>
+      </p:sp>
+      <p:sp>
+        <p:nvSpPr>
+          <p:cNvPr id="17" name="TextBox 16">
+            <a:extLst>
+              <a:ext uri="{FF2B5EF4-FFF2-40B4-BE49-F238E27FC236}">
+                <a16:creationId xmlns:a16="http://schemas.microsoft.com/office/drawing/2014/main" id="{16EF45A2-35FE-6C40-A3B9-8AEE56708763}"/>
+              </a:ext>
+            </a:extLst>
+          </p:cNvPr>
+          <p:cNvSpPr txBox="1"/>
+          <p:nvPr/>
+        </p:nvSpPr>
+        <p:spPr>
+          <a:xfrm>
+            <a:off x="656747" y="3682996"/>
+            <a:ext cx="731520" cy="461665"/>
+          </a:xfrm>
+          <a:prstGeom prst="rect">
+            <a:avLst/>
+          </a:prstGeom>
+          <a:noFill/>
+        </p:spPr>
+        <p:txBody>
+          <a:bodyPr wrap="square" rtlCol="0">
+            <a:spAutoFit/>
+          </a:bodyPr>
+          <a:lstStyle/>
+          <a:p>
+            <a:r>
+              <a:rPr lang="en-US" sz="2400" b="1" dirty="0"/>
+              <a:t>B</a:t>
+            </a:r>
+            <a:endParaRPr lang="en-US" b="1" dirty="0"/>
+          </a:p>
+        </p:txBody>
+      </p:sp>
+      <p:sp>
+        <p:nvSpPr>
+          <p:cNvPr id="18" name="TextBox 17">
+            <a:extLst>
+              <a:ext uri="{FF2B5EF4-FFF2-40B4-BE49-F238E27FC236}">
+                <a16:creationId xmlns:a16="http://schemas.microsoft.com/office/drawing/2014/main" id="{DA30B557-8BA3-39E7-E290-1AE1A4C62820}"/>
+              </a:ext>
+            </a:extLst>
+          </p:cNvPr>
+          <p:cNvSpPr txBox="1"/>
+          <p:nvPr/>
+        </p:nvSpPr>
+        <p:spPr>
+          <a:xfrm>
+            <a:off x="656747" y="7737633"/>
+            <a:ext cx="731520" cy="461665"/>
+          </a:xfrm>
+          <a:prstGeom prst="rect">
+            <a:avLst/>
+          </a:prstGeom>
+          <a:noFill/>
+        </p:spPr>
+        <p:txBody>
+          <a:bodyPr wrap="square" rtlCol="0">
+            <a:spAutoFit/>
+          </a:bodyPr>
+          <a:lstStyle/>
+          <a:p>
+            <a:r>
+              <a:rPr lang="en-US" sz="2400" b="1" dirty="0"/>
+              <a:t>C</a:t>
+            </a:r>
+            <a:endParaRPr lang="en-US" b="1" dirty="0"/>
+          </a:p>
+        </p:txBody>
+      </p:sp>
+      <p:pic>
+        <p:nvPicPr>
+          <p:cNvPr id="3" name="Picture 2" descr="A diagram of a temperature&#10;&#10;AI-generated content may be incorrect.">
+            <a:extLst>
+              <a:ext uri="{FF2B5EF4-FFF2-40B4-BE49-F238E27FC236}">
+                <a16:creationId xmlns:a16="http://schemas.microsoft.com/office/drawing/2014/main" id="{11DD8200-CA70-BC5E-1747-4FB7252BE521}"/>
+              </a:ext>
+            </a:extLst>
+          </p:cNvPr>
+          <p:cNvPicPr>
+            <a:picLocks noChangeAspect="1"/>
+          </p:cNvPicPr>
+          <p:nvPr/>
+        </p:nvPicPr>
+        <p:blipFill>
+          <a:blip r:embed="rId7"/>
+          <a:srcRect l="36679" t="9204" r="32223"/>
+          <a:stretch/>
+        </p:blipFill>
+        <p:spPr>
+          <a:xfrm>
+            <a:off x="4330700" y="8316973"/>
+            <a:ext cx="3258434" cy="3379727"/>
+          </a:xfrm>
+          <a:prstGeom prst="rect">
+            <a:avLst/>
+          </a:prstGeom>
+        </p:spPr>
+      </p:pic>
+      <p:pic>
+        <p:nvPicPr>
+          <p:cNvPr id="4" name="Picture 3" descr="A diagram of a temperature&#10;&#10;AI-generated content may be incorrect.">
+            <a:extLst>
+              <a:ext uri="{FF2B5EF4-FFF2-40B4-BE49-F238E27FC236}">
+                <a16:creationId xmlns:a16="http://schemas.microsoft.com/office/drawing/2014/main" id="{D0556DA6-25B2-676A-A28E-B03AF24C4BC6}"/>
+              </a:ext>
+            </a:extLst>
+          </p:cNvPr>
+          <p:cNvPicPr>
+            <a:picLocks noChangeAspect="1"/>
+          </p:cNvPicPr>
+          <p:nvPr/>
+        </p:nvPicPr>
+        <p:blipFill>
+          <a:blip r:embed="rId7"/>
+          <a:srcRect l="69041" t="10248" r="-139" b="-1044"/>
+          <a:stretch/>
+        </p:blipFill>
+        <p:spPr>
+          <a:xfrm>
+            <a:off x="7601834" y="8316973"/>
+            <a:ext cx="3258434" cy="3379727"/>
+          </a:xfrm>
+          <a:prstGeom prst="rect">
+            <a:avLst/>
+          </a:prstGeom>
+        </p:spPr>
+      </p:pic>
+      <p:pic>
+        <p:nvPicPr>
+          <p:cNvPr id="6" name="Picture 5" descr="A diagram of a temperature&#10;&#10;AI-generated content may be incorrect.">
+            <a:extLst>
+              <a:ext uri="{FF2B5EF4-FFF2-40B4-BE49-F238E27FC236}">
+                <a16:creationId xmlns:a16="http://schemas.microsoft.com/office/drawing/2014/main" id="{2BE4C989-569A-CC6B-E761-DADBCB349955}"/>
+              </a:ext>
+            </a:extLst>
+          </p:cNvPr>
+          <p:cNvPicPr>
+            <a:picLocks noChangeAspect="1"/>
+          </p:cNvPicPr>
+          <p:nvPr/>
+        </p:nvPicPr>
+        <p:blipFill>
+          <a:blip r:embed="rId7"/>
+          <a:srcRect l="-343" t="-515" r="62839" b="1662"/>
+          <a:stretch/>
+        </p:blipFill>
+        <p:spPr>
+          <a:xfrm>
+            <a:off x="656747" y="8199298"/>
+            <a:ext cx="3635674" cy="3404277"/>
+          </a:xfrm>
+          <a:prstGeom prst="rect">
+            <a:avLst/>
+          </a:prstGeom>
+        </p:spPr>
+      </p:pic>
+      <p:sp>
+        <p:nvSpPr>
+          <p:cNvPr id="8" name="Rectangle 7">
+            <a:extLst>
+              <a:ext uri="{FF2B5EF4-FFF2-40B4-BE49-F238E27FC236}">
+                <a16:creationId xmlns:a16="http://schemas.microsoft.com/office/drawing/2014/main" id="{27DFB31B-6FE4-7444-2040-A36AC12EAC27}"/>
+              </a:ext>
+            </a:extLst>
+          </p:cNvPr>
+          <p:cNvSpPr/>
+          <p:nvPr/>
+        </p:nvSpPr>
+        <p:spPr>
+          <a:xfrm>
+            <a:off x="7962900" y="4927600"/>
+            <a:ext cx="88900" cy="1034256"/>
+          </a:xfrm>
+          <a:prstGeom prst="rect">
+            <a:avLst/>
+          </a:prstGeom>
+          <a:solidFill>
+            <a:schemeClr val="bg1"/>
+          </a:solidFill>
+          <a:ln>
+            <a:solidFill>
+              <a:schemeClr val="bg1"/>
+            </a:solidFill>
+          </a:ln>
+        </p:spPr>
+        <p:style>
+          <a:lnRef idx="2">
+            <a:schemeClr val="accent1">
+              <a:shade val="15000"/>
+            </a:schemeClr>
+          </a:lnRef>
+          <a:fillRef idx="1">
+            <a:schemeClr val="accent1"/>
+          </a:fillRef>
+          <a:effectRef idx="0">
+            <a:schemeClr val="accent1"/>
+          </a:effectRef>
+          <a:fontRef idx="minor">
+            <a:schemeClr val="lt1"/>
+          </a:fontRef>
+        </p:style>
+        <p:txBody>
+          <a:bodyPr rtlCol="0" anchor="ctr"/>
+          <a:lstStyle/>
+          <a:p>
+            <a:pPr algn="ctr"/>
+            <a:endParaRPr lang="en-US"/>
+          </a:p>
+        </p:txBody>
+      </p:sp>
+      <p:sp>
+        <p:nvSpPr>
+          <p:cNvPr id="12" name="TextBox 11">
+            <a:extLst>
+              <a:ext uri="{FF2B5EF4-FFF2-40B4-BE49-F238E27FC236}">
+                <a16:creationId xmlns:a16="http://schemas.microsoft.com/office/drawing/2014/main" id="{E73F7C94-98A3-28AA-E523-5B4A262BA0B2}"/>
+              </a:ext>
+            </a:extLst>
+          </p:cNvPr>
+          <p:cNvSpPr txBox="1"/>
+          <p:nvPr/>
+        </p:nvSpPr>
+        <p:spPr>
+          <a:xfrm rot="16200000">
+            <a:off x="7260930" y="5260061"/>
+            <a:ext cx="1123509" cy="369332"/>
+          </a:xfrm>
+          <a:prstGeom prst="rect">
+            <a:avLst/>
+          </a:prstGeom>
+          <a:solidFill>
+            <a:schemeClr val="bg1"/>
+          </a:solidFill>
+        </p:spPr>
+        <p:txBody>
+          <a:bodyPr wrap="square" rtlCol="0">
+            <a:spAutoFit/>
+          </a:bodyPr>
+          <a:lstStyle/>
+          <a:p>
+            <a:r>
+              <a:rPr lang="en-US" dirty="0"/>
+              <a:t>Density</a:t>
+            </a:r>
+          </a:p>
+        </p:txBody>
+      </p:sp>
+      <p:sp>
+        <p:nvSpPr>
+          <p:cNvPr id="14" name="TextBox 13">
+            <a:extLst>
+              <a:ext uri="{FF2B5EF4-FFF2-40B4-BE49-F238E27FC236}">
+                <a16:creationId xmlns:a16="http://schemas.microsoft.com/office/drawing/2014/main" id="{28848A40-CCF0-4A97-4751-FBB40224FA0E}"/>
+              </a:ext>
+            </a:extLst>
+          </p:cNvPr>
+          <p:cNvSpPr txBox="1"/>
+          <p:nvPr/>
+        </p:nvSpPr>
+        <p:spPr>
+          <a:xfrm rot="16200000">
+            <a:off x="7275028" y="9381376"/>
+            <a:ext cx="1123509" cy="369332"/>
+          </a:xfrm>
+          <a:prstGeom prst="rect">
+            <a:avLst/>
+          </a:prstGeom>
+          <a:solidFill>
+            <a:schemeClr val="bg1"/>
+          </a:solidFill>
+        </p:spPr>
+        <p:txBody>
+          <a:bodyPr wrap="square" rtlCol="0">
+            <a:spAutoFit/>
+          </a:bodyPr>
+          <a:lstStyle/>
+          <a:p>
+            <a:r>
+              <a:rPr lang="en-US" dirty="0"/>
+              <a:t>Density</a:t>
+            </a:r>
+          </a:p>
+        </p:txBody>
+      </p:sp>
+    </p:spTree>
+    <p:extLst>
+      <p:ext uri="{BB962C8B-B14F-4D97-AF65-F5344CB8AC3E}">
+        <p14:creationId xmlns:p14="http://schemas.microsoft.com/office/powerpoint/2010/main" val="2773077735"/>
       </p:ext>
     </p:extLst>
   </p:cSld>
